--- a/NFL Quarterback Stat Identifier.pptx
+++ b/NFL Quarterback Stat Identifier.pptx
@@ -8,7 +8,7 @@
     <p:notesMasterId r:id="rId3"/>
   </p:notesMasterIdLst>
   <p:sldIdLst>
-    <p:sldId id="256" r:id="rId2"/>
+    <p:sldId id="257" r:id="rId2"/>
   </p:sldIdLst>
   <p:sldSz cx="9144000" cy="5143500" type="screen16x9"/>
   <p:notesSz cx="6858000" cy="9144000"/>
@@ -21,7 +21,7 @@
       <p:boldItalic r:id="rId7"/>
     </p:embeddedFont>
     <p:embeddedFont>
-      <p:font typeface="Oswald" panose="020B0604020202020204" charset="0"/>
+      <p:font typeface="Oswald" pitchFamily="2" charset="77"/>
       <p:regular r:id="rId8"/>
       <p:bold r:id="rId9"/>
     </p:embeddedFont>
@@ -274,6 +274,33 @@
 </p:presentation>
 </file>
 
+<file path=ppt/ink/ink1.xml><?xml version="1.0" encoding="utf-8"?>
+<inkml:ink xmlns:inkml="http://www.w3.org/2003/InkML">
+  <inkml:definitions>
+    <inkml:context xml:id="ctx0">
+      <inkml:inkSource xml:id="inkSrc0">
+        <inkml:traceFormat>
+          <inkml:channel name="X" type="integer" min="-2.14748E9" max="2.14748E9" units="cm"/>
+          <inkml:channel name="Y" type="integer" min="-2.14748E9" max="2.14748E9" units="cm"/>
+          <inkml:channel name="F" type="integer" max="32767" units="dev"/>
+        </inkml:traceFormat>
+        <inkml:channelProperties>
+          <inkml:channelProperty channel="X" name="resolution" value="1000" units="1/cm"/>
+          <inkml:channelProperty channel="Y" name="resolution" value="1000" units="1/cm"/>
+          <inkml:channelProperty channel="F" name="resolution" value="0" units="1/dev"/>
+        </inkml:channelProperties>
+      </inkml:inkSource>
+      <inkml:timestamp xml:id="ts0" timeString="2024-11-23T01:06:44.687"/>
+    </inkml:context>
+    <inkml:brush xml:id="br0">
+      <inkml:brushProperty name="width" value="0.035" units="cm"/>
+      <inkml:brushProperty name="height" value="0.035" units="cm"/>
+    </inkml:brush>
+  </inkml:definitions>
+  <inkml:trace contextRef="#ctx0" brushRef="#br0">0 0 24575,'0'0'0</inkml:trace>
+</inkml:ink>
+</file>
+
 <file path=ppt/notesMasters/notesMaster1.xml><?xml version="1.0" encoding="utf-8"?>
 <p:notesMaster xmlns:a="http://schemas.openxmlformats.org/drawingml/2006/main" xmlns:r="http://schemas.openxmlformats.org/officeDocument/2006/relationships" xmlns:p="http://schemas.openxmlformats.org/presentationml/2006/main">
   <p:cSld>
@@ -715,12 +742,12 @@
 </p:notesMaster>
 </file>
 
-<file path=ppt/notesSlides/notesSlide1.xml><?xml version="1.0" encoding="utf-8"?>
-<p:notes xmlns:a="http://schemas.openxmlformats.org/drawingml/2006/main" xmlns:r="http://schemas.openxmlformats.org/officeDocument/2006/relationships" xmlns:p="http://schemas.openxmlformats.org/presentationml/2006/main" showMasterSp="0" showMasterPhAnim="0">
-  <p:cSld>
+<file path=ppt/slideLayouts/slideLayout1.xml><?xml version="1.0" encoding="utf-8"?>
+<p:sldLayout xmlns:a="http://schemas.openxmlformats.org/drawingml/2006/main" xmlns:r="http://schemas.openxmlformats.org/officeDocument/2006/relationships" xmlns:p="http://schemas.openxmlformats.org/presentationml/2006/main" matchingName="Section header" type="secHead">
+  <p:cSld name="SECTION_HEADER">
     <p:spTree>
       <p:nvGrpSpPr>
-        <p:cNvPr id="1" name="Shape 50"/>
+        <p:cNvPr id="1" name="Shape 13"/>
         <p:cNvGrpSpPr/>
         <p:nvPr/>
       </p:nvGrpSpPr>
@@ -734,129 +761,25 @@
       </p:grpSpPr>
       <p:sp>
         <p:nvSpPr>
-          <p:cNvPr id="51" name="Google Shape;51;p:notes"/>
-          <p:cNvSpPr>
-            <a:spLocks noGrp="1" noRot="1" noChangeAspect="1"/>
+          <p:cNvPr id="14" name="Google Shape;14;p3"/>
+          <p:cNvSpPr txBox="1">
+            <a:spLocks noGrp="1"/>
           </p:cNvSpPr>
           <p:nvPr>
-            <p:ph type="sldImg" idx="2"/>
+            <p:ph type="title"/>
           </p:nvPr>
         </p:nvSpPr>
         <p:spPr>
           <a:xfrm>
-            <a:off x="381300" y="685800"/>
-            <a:ext cx="6096075" cy="3429000"/>
-          </a:xfrm>
-          <a:custGeom>
-            <a:avLst/>
-            <a:gdLst/>
-            <a:ahLst/>
-            <a:cxnLst/>
-            <a:rect l="l" t="t" r="r" b="b"/>
-            <a:pathLst>
-              <a:path w="120000" h="120000" extrusionOk="0">
-                <a:moveTo>
-                  <a:pt x="0" y="0"/>
-                </a:moveTo>
-                <a:lnTo>
-                  <a:pt x="120000" y="0"/>
-                </a:lnTo>
-                <a:lnTo>
-                  <a:pt x="120000" y="120000"/>
-                </a:lnTo>
-                <a:lnTo>
-                  <a:pt x="0" y="120000"/>
-                </a:lnTo>
-                <a:close/>
-              </a:path>
-            </a:pathLst>
-          </a:custGeom>
-        </p:spPr>
-      </p:sp>
-      <p:sp>
-        <p:nvSpPr>
-          <p:cNvPr id="52" name="Google Shape;52;p:notes"/>
-          <p:cNvSpPr txBox="1">
-            <a:spLocks noGrp="1"/>
-          </p:cNvSpPr>
-          <p:nvPr>
-            <p:ph type="body" idx="1"/>
-          </p:nvPr>
-        </p:nvSpPr>
-        <p:spPr>
-          <a:xfrm>
-            <a:off x="685800" y="4343400"/>
-            <a:ext cx="5486400" cy="4114800"/>
+            <a:off x="311700" y="2150850"/>
+            <a:ext cx="8520600" cy="841800"/>
           </a:xfrm>
           <a:prstGeom prst="rect">
             <a:avLst/>
           </a:prstGeom>
         </p:spPr>
         <p:txBody>
-          <a:bodyPr spcFirstLastPara="1" wrap="square" lIns="91425" tIns="91425" rIns="91425" bIns="91425" anchor="t" anchorCtr="0">
-            <a:noAutofit/>
-          </a:bodyPr>
-          <a:lstStyle/>
-          <a:p>
-            <a:pPr marL="0" lvl="0" indent="0" algn="l" rtl="0">
-              <a:spcBef>
-                <a:spcPts val="0"/>
-              </a:spcBef>
-              <a:spcAft>
-                <a:spcPts val="0"/>
-              </a:spcAft>
-              <a:buNone/>
-            </a:pPr>
-            <a:endParaRPr/>
-          </a:p>
-        </p:txBody>
-      </p:sp>
-    </p:spTree>
-  </p:cSld>
-  <p:clrMapOvr>
-    <a:masterClrMapping/>
-  </p:clrMapOvr>
-</p:notes>
-</file>
-
-<file path=ppt/slideLayouts/slideLayout1.xml><?xml version="1.0" encoding="utf-8"?>
-<p:sldLayout xmlns:a="http://schemas.openxmlformats.org/drawingml/2006/main" xmlns:r="http://schemas.openxmlformats.org/officeDocument/2006/relationships" xmlns:p="http://schemas.openxmlformats.org/presentationml/2006/main" matchingName="Title slide" type="title">
-  <p:cSld name="TITLE">
-    <p:spTree>
-      <p:nvGrpSpPr>
-        <p:cNvPr id="1" name="Shape 9"/>
-        <p:cNvGrpSpPr/>
-        <p:nvPr/>
-      </p:nvGrpSpPr>
-      <p:grpSpPr>
-        <a:xfrm>
-          <a:off x="0" y="0"/>
-          <a:ext cx="0" cy="0"/>
-          <a:chOff x="0" y="0"/>
-          <a:chExt cx="0" cy="0"/>
-        </a:xfrm>
-      </p:grpSpPr>
-      <p:sp>
-        <p:nvSpPr>
-          <p:cNvPr id="10" name="Google Shape;10;p2"/>
-          <p:cNvSpPr txBox="1">
-            <a:spLocks noGrp="1"/>
-          </p:cNvSpPr>
-          <p:nvPr>
-            <p:ph type="ctrTitle"/>
-          </p:nvPr>
-        </p:nvSpPr>
-        <p:spPr>
-          <a:xfrm>
-            <a:off x="311708" y="744575"/>
-            <a:ext cx="8520600" cy="2052600"/>
-          </a:xfrm>
-          <a:prstGeom prst="rect">
-            <a:avLst/>
-          </a:prstGeom>
-        </p:spPr>
-        <p:txBody>
-          <a:bodyPr spcFirstLastPara="1" wrap="square" lIns="91425" tIns="91425" rIns="91425" bIns="91425" anchor="b" anchorCtr="0">
+          <a:bodyPr spcFirstLastPara="1" wrap="square" lIns="91425" tIns="91425" rIns="91425" bIns="91425" anchor="ctr" anchorCtr="0">
             <a:noAutofit/>
           </a:bodyPr>
           <a:lstStyle>
@@ -867,9 +790,9 @@
               <a:spcAft>
                 <a:spcPts val="0"/>
               </a:spcAft>
-              <a:buSzPts val="5200"/>
-              <a:buNone/>
-              <a:defRPr sz="5200"/>
+              <a:buSzPts val="3600"/>
+              <a:buNone/>
+              <a:defRPr sz="3600"/>
             </a:lvl1pPr>
             <a:lvl2pPr lvl="1" algn="ctr">
               <a:spcBef>
@@ -878,9 +801,9 @@
               <a:spcAft>
                 <a:spcPts val="0"/>
               </a:spcAft>
-              <a:buSzPts val="5200"/>
-              <a:buNone/>
-              <a:defRPr sz="5200"/>
+              <a:buSzPts val="3600"/>
+              <a:buNone/>
+              <a:defRPr sz="3600"/>
             </a:lvl2pPr>
             <a:lvl3pPr lvl="2" algn="ctr">
               <a:spcBef>
@@ -889,9 +812,9 @@
               <a:spcAft>
                 <a:spcPts val="0"/>
               </a:spcAft>
-              <a:buSzPts val="5200"/>
-              <a:buNone/>
-              <a:defRPr sz="5200"/>
+              <a:buSzPts val="3600"/>
+              <a:buNone/>
+              <a:defRPr sz="3600"/>
             </a:lvl3pPr>
             <a:lvl4pPr lvl="3" algn="ctr">
               <a:spcBef>
@@ -900,9 +823,9 @@
               <a:spcAft>
                 <a:spcPts val="0"/>
               </a:spcAft>
-              <a:buSzPts val="5200"/>
-              <a:buNone/>
-              <a:defRPr sz="5200"/>
+              <a:buSzPts val="3600"/>
+              <a:buNone/>
+              <a:defRPr sz="3600"/>
             </a:lvl4pPr>
             <a:lvl5pPr lvl="4" algn="ctr">
               <a:spcBef>
@@ -911,9 +834,9 @@
               <a:spcAft>
                 <a:spcPts val="0"/>
               </a:spcAft>
-              <a:buSzPts val="5200"/>
-              <a:buNone/>
-              <a:defRPr sz="5200"/>
+              <a:buSzPts val="3600"/>
+              <a:buNone/>
+              <a:defRPr sz="3600"/>
             </a:lvl5pPr>
             <a:lvl6pPr lvl="5" algn="ctr">
               <a:spcBef>
@@ -922,9 +845,9 @@
               <a:spcAft>
                 <a:spcPts val="0"/>
               </a:spcAft>
-              <a:buSzPts val="5200"/>
-              <a:buNone/>
-              <a:defRPr sz="5200"/>
+              <a:buSzPts val="3600"/>
+              <a:buNone/>
+              <a:defRPr sz="3600"/>
             </a:lvl6pPr>
             <a:lvl7pPr lvl="6" algn="ctr">
               <a:spcBef>
@@ -933,9 +856,9 @@
               <a:spcAft>
                 <a:spcPts val="0"/>
               </a:spcAft>
-              <a:buSzPts val="5200"/>
-              <a:buNone/>
-              <a:defRPr sz="5200"/>
+              <a:buSzPts val="3600"/>
+              <a:buNone/>
+              <a:defRPr sz="3600"/>
             </a:lvl7pPr>
             <a:lvl8pPr lvl="7" algn="ctr">
               <a:spcBef>
@@ -944,9 +867,9 @@
               <a:spcAft>
                 <a:spcPts val="0"/>
               </a:spcAft>
-              <a:buSzPts val="5200"/>
-              <a:buNone/>
-              <a:defRPr sz="5200"/>
+              <a:buSzPts val="3600"/>
+              <a:buNone/>
+              <a:defRPr sz="3600"/>
             </a:lvl8pPr>
             <a:lvl9pPr lvl="8" algn="ctr">
               <a:spcBef>
@@ -955,9 +878,9 @@
               <a:spcAft>
                 <a:spcPts val="0"/>
               </a:spcAft>
-              <a:buSzPts val="5200"/>
-              <a:buNone/>
-              <a:defRPr sz="5200"/>
+              <a:buSzPts val="3600"/>
+              <a:buNone/>
+              <a:defRPr sz="3600"/>
             </a:lvl9pPr>
           </a:lstStyle>
           <a:p>
@@ -967,163 +890,7 @@
       </p:sp>
       <p:sp>
         <p:nvSpPr>
-          <p:cNvPr id="11" name="Google Shape;11;p2"/>
-          <p:cNvSpPr txBox="1">
-            <a:spLocks noGrp="1"/>
-          </p:cNvSpPr>
-          <p:nvPr>
-            <p:ph type="subTitle" idx="1"/>
-          </p:nvPr>
-        </p:nvSpPr>
-        <p:spPr>
-          <a:xfrm>
-            <a:off x="311700" y="2834125"/>
-            <a:ext cx="8520600" cy="792600"/>
-          </a:xfrm>
-          <a:prstGeom prst="rect">
-            <a:avLst/>
-          </a:prstGeom>
-        </p:spPr>
-        <p:txBody>
-          <a:bodyPr spcFirstLastPara="1" wrap="square" lIns="91425" tIns="91425" rIns="91425" bIns="91425" anchor="t" anchorCtr="0">
-            <a:noAutofit/>
-          </a:bodyPr>
-          <a:lstStyle>
-            <a:lvl1pPr lvl="0" algn="ctr">
-              <a:lnSpc>
-                <a:spcPct val="100000"/>
-              </a:lnSpc>
-              <a:spcBef>
-                <a:spcPts val="0"/>
-              </a:spcBef>
-              <a:spcAft>
-                <a:spcPts val="0"/>
-              </a:spcAft>
-              <a:buSzPts val="2800"/>
-              <a:buNone/>
-              <a:defRPr sz="2800"/>
-            </a:lvl1pPr>
-            <a:lvl2pPr lvl="1" algn="ctr">
-              <a:lnSpc>
-                <a:spcPct val="100000"/>
-              </a:lnSpc>
-              <a:spcBef>
-                <a:spcPts val="0"/>
-              </a:spcBef>
-              <a:spcAft>
-                <a:spcPts val="0"/>
-              </a:spcAft>
-              <a:buSzPts val="2800"/>
-              <a:buNone/>
-              <a:defRPr sz="2800"/>
-            </a:lvl2pPr>
-            <a:lvl3pPr lvl="2" algn="ctr">
-              <a:lnSpc>
-                <a:spcPct val="100000"/>
-              </a:lnSpc>
-              <a:spcBef>
-                <a:spcPts val="0"/>
-              </a:spcBef>
-              <a:spcAft>
-                <a:spcPts val="0"/>
-              </a:spcAft>
-              <a:buSzPts val="2800"/>
-              <a:buNone/>
-              <a:defRPr sz="2800"/>
-            </a:lvl3pPr>
-            <a:lvl4pPr lvl="3" algn="ctr">
-              <a:lnSpc>
-                <a:spcPct val="100000"/>
-              </a:lnSpc>
-              <a:spcBef>
-                <a:spcPts val="0"/>
-              </a:spcBef>
-              <a:spcAft>
-                <a:spcPts val="0"/>
-              </a:spcAft>
-              <a:buSzPts val="2800"/>
-              <a:buNone/>
-              <a:defRPr sz="2800"/>
-            </a:lvl4pPr>
-            <a:lvl5pPr lvl="4" algn="ctr">
-              <a:lnSpc>
-                <a:spcPct val="100000"/>
-              </a:lnSpc>
-              <a:spcBef>
-                <a:spcPts val="0"/>
-              </a:spcBef>
-              <a:spcAft>
-                <a:spcPts val="0"/>
-              </a:spcAft>
-              <a:buSzPts val="2800"/>
-              <a:buNone/>
-              <a:defRPr sz="2800"/>
-            </a:lvl5pPr>
-            <a:lvl6pPr lvl="5" algn="ctr">
-              <a:lnSpc>
-                <a:spcPct val="100000"/>
-              </a:lnSpc>
-              <a:spcBef>
-                <a:spcPts val="0"/>
-              </a:spcBef>
-              <a:spcAft>
-                <a:spcPts val="0"/>
-              </a:spcAft>
-              <a:buSzPts val="2800"/>
-              <a:buNone/>
-              <a:defRPr sz="2800"/>
-            </a:lvl6pPr>
-            <a:lvl7pPr lvl="6" algn="ctr">
-              <a:lnSpc>
-                <a:spcPct val="100000"/>
-              </a:lnSpc>
-              <a:spcBef>
-                <a:spcPts val="0"/>
-              </a:spcBef>
-              <a:spcAft>
-                <a:spcPts val="0"/>
-              </a:spcAft>
-              <a:buSzPts val="2800"/>
-              <a:buNone/>
-              <a:defRPr sz="2800"/>
-            </a:lvl7pPr>
-            <a:lvl8pPr lvl="7" algn="ctr">
-              <a:lnSpc>
-                <a:spcPct val="100000"/>
-              </a:lnSpc>
-              <a:spcBef>
-                <a:spcPts val="0"/>
-              </a:spcBef>
-              <a:spcAft>
-                <a:spcPts val="0"/>
-              </a:spcAft>
-              <a:buSzPts val="2800"/>
-              <a:buNone/>
-              <a:defRPr sz="2800"/>
-            </a:lvl8pPr>
-            <a:lvl9pPr lvl="8" algn="ctr">
-              <a:lnSpc>
-                <a:spcPct val="100000"/>
-              </a:lnSpc>
-              <a:spcBef>
-                <a:spcPts val="0"/>
-              </a:spcBef>
-              <a:spcAft>
-                <a:spcPts val="0"/>
-              </a:spcAft>
-              <a:buSzPts val="2800"/>
-              <a:buNone/>
-              <a:defRPr sz="2800"/>
-            </a:lvl9pPr>
-          </a:lstStyle>
-          <a:p>
-            <a:endParaRPr/>
-          </a:p>
-        </p:txBody>
-      </p:sp>
-      <p:sp>
-        <p:nvSpPr>
-          <p:cNvPr id="12" name="Google Shape;12;p2"/>
+          <p:cNvPr id="15" name="Google Shape;15;p3"/>
           <p:cNvSpPr txBox="1">
             <a:spLocks noGrp="1"/>
           </p:cNvSpPr>
@@ -1209,370 +976,6 @@
 </file>
 
 <file path=ppt/slideLayouts/slideLayout10.xml><?xml version="1.0" encoding="utf-8"?>
-<p:sldLayout xmlns:a="http://schemas.openxmlformats.org/drawingml/2006/main" xmlns:r="http://schemas.openxmlformats.org/officeDocument/2006/relationships" xmlns:p="http://schemas.openxmlformats.org/presentationml/2006/main" matchingName="Big number">
-  <p:cSld name="BIG_NUMBER">
-    <p:spTree>
-      <p:nvGrpSpPr>
-        <p:cNvPr id="1" name="Shape 44"/>
-        <p:cNvGrpSpPr/>
-        <p:nvPr/>
-      </p:nvGrpSpPr>
-      <p:grpSpPr>
-        <a:xfrm>
-          <a:off x="0" y="0"/>
-          <a:ext cx="0" cy="0"/>
-          <a:chOff x="0" y="0"/>
-          <a:chExt cx="0" cy="0"/>
-        </a:xfrm>
-      </p:grpSpPr>
-      <p:sp>
-        <p:nvSpPr>
-          <p:cNvPr id="45" name="Google Shape;45;p11"/>
-          <p:cNvSpPr txBox="1">
-            <a:spLocks noGrp="1"/>
-          </p:cNvSpPr>
-          <p:nvPr>
-            <p:ph type="title" hasCustomPrompt="1"/>
-          </p:nvPr>
-        </p:nvSpPr>
-        <p:spPr>
-          <a:xfrm>
-            <a:off x="311700" y="1106125"/>
-            <a:ext cx="8520600" cy="1963500"/>
-          </a:xfrm>
-          <a:prstGeom prst="rect">
-            <a:avLst/>
-          </a:prstGeom>
-        </p:spPr>
-        <p:txBody>
-          <a:bodyPr spcFirstLastPara="1" wrap="square" lIns="91425" tIns="91425" rIns="91425" bIns="91425" anchor="b" anchorCtr="0">
-            <a:noAutofit/>
-          </a:bodyPr>
-          <a:lstStyle>
-            <a:lvl1pPr lvl="0" algn="ctr">
-              <a:spcBef>
-                <a:spcPts val="0"/>
-              </a:spcBef>
-              <a:spcAft>
-                <a:spcPts val="0"/>
-              </a:spcAft>
-              <a:buSzPts val="12000"/>
-              <a:buNone/>
-              <a:defRPr sz="12000"/>
-            </a:lvl1pPr>
-            <a:lvl2pPr lvl="1" algn="ctr">
-              <a:spcBef>
-                <a:spcPts val="0"/>
-              </a:spcBef>
-              <a:spcAft>
-                <a:spcPts val="0"/>
-              </a:spcAft>
-              <a:buSzPts val="12000"/>
-              <a:buNone/>
-              <a:defRPr sz="12000"/>
-            </a:lvl2pPr>
-            <a:lvl3pPr lvl="2" algn="ctr">
-              <a:spcBef>
-                <a:spcPts val="0"/>
-              </a:spcBef>
-              <a:spcAft>
-                <a:spcPts val="0"/>
-              </a:spcAft>
-              <a:buSzPts val="12000"/>
-              <a:buNone/>
-              <a:defRPr sz="12000"/>
-            </a:lvl3pPr>
-            <a:lvl4pPr lvl="3" algn="ctr">
-              <a:spcBef>
-                <a:spcPts val="0"/>
-              </a:spcBef>
-              <a:spcAft>
-                <a:spcPts val="0"/>
-              </a:spcAft>
-              <a:buSzPts val="12000"/>
-              <a:buNone/>
-              <a:defRPr sz="12000"/>
-            </a:lvl4pPr>
-            <a:lvl5pPr lvl="4" algn="ctr">
-              <a:spcBef>
-                <a:spcPts val="0"/>
-              </a:spcBef>
-              <a:spcAft>
-                <a:spcPts val="0"/>
-              </a:spcAft>
-              <a:buSzPts val="12000"/>
-              <a:buNone/>
-              <a:defRPr sz="12000"/>
-            </a:lvl5pPr>
-            <a:lvl6pPr lvl="5" algn="ctr">
-              <a:spcBef>
-                <a:spcPts val="0"/>
-              </a:spcBef>
-              <a:spcAft>
-                <a:spcPts val="0"/>
-              </a:spcAft>
-              <a:buSzPts val="12000"/>
-              <a:buNone/>
-              <a:defRPr sz="12000"/>
-            </a:lvl6pPr>
-            <a:lvl7pPr lvl="6" algn="ctr">
-              <a:spcBef>
-                <a:spcPts val="0"/>
-              </a:spcBef>
-              <a:spcAft>
-                <a:spcPts val="0"/>
-              </a:spcAft>
-              <a:buSzPts val="12000"/>
-              <a:buNone/>
-              <a:defRPr sz="12000"/>
-            </a:lvl7pPr>
-            <a:lvl8pPr lvl="7" algn="ctr">
-              <a:spcBef>
-                <a:spcPts val="0"/>
-              </a:spcBef>
-              <a:spcAft>
-                <a:spcPts val="0"/>
-              </a:spcAft>
-              <a:buSzPts val="12000"/>
-              <a:buNone/>
-              <a:defRPr sz="12000"/>
-            </a:lvl8pPr>
-            <a:lvl9pPr lvl="8" algn="ctr">
-              <a:spcBef>
-                <a:spcPts val="0"/>
-              </a:spcBef>
-              <a:spcAft>
-                <a:spcPts val="0"/>
-              </a:spcAft>
-              <a:buSzPts val="12000"/>
-              <a:buNone/>
-              <a:defRPr sz="12000"/>
-            </a:lvl9pPr>
-          </a:lstStyle>
-          <a:p>
-            <a:r>
-              <a:t>xx%</a:t>
-            </a:r>
-          </a:p>
-        </p:txBody>
-      </p:sp>
-      <p:sp>
-        <p:nvSpPr>
-          <p:cNvPr id="46" name="Google Shape;46;p11"/>
-          <p:cNvSpPr txBox="1">
-            <a:spLocks noGrp="1"/>
-          </p:cNvSpPr>
-          <p:nvPr>
-            <p:ph type="body" idx="1"/>
-          </p:nvPr>
-        </p:nvSpPr>
-        <p:spPr>
-          <a:xfrm>
-            <a:off x="311700" y="3152225"/>
-            <a:ext cx="8520600" cy="1300800"/>
-          </a:xfrm>
-          <a:prstGeom prst="rect">
-            <a:avLst/>
-          </a:prstGeom>
-        </p:spPr>
-        <p:txBody>
-          <a:bodyPr spcFirstLastPara="1" wrap="square" lIns="91425" tIns="91425" rIns="91425" bIns="91425" anchor="t" anchorCtr="0">
-            <a:noAutofit/>
-          </a:bodyPr>
-          <a:lstStyle>
-            <a:lvl1pPr marL="457200" lvl="0" indent="-342900" algn="ctr">
-              <a:spcBef>
-                <a:spcPts val="0"/>
-              </a:spcBef>
-              <a:spcAft>
-                <a:spcPts val="0"/>
-              </a:spcAft>
-              <a:buSzPts val="1800"/>
-              <a:buChar char="●"/>
-              <a:defRPr/>
-            </a:lvl1pPr>
-            <a:lvl2pPr marL="914400" lvl="1" indent="-317500" algn="ctr">
-              <a:spcBef>
-                <a:spcPts val="1600"/>
-              </a:spcBef>
-              <a:spcAft>
-                <a:spcPts val="0"/>
-              </a:spcAft>
-              <a:buSzPts val="1400"/>
-              <a:buChar char="○"/>
-              <a:defRPr/>
-            </a:lvl2pPr>
-            <a:lvl3pPr marL="1371600" lvl="2" indent="-317500" algn="ctr">
-              <a:spcBef>
-                <a:spcPts val="1600"/>
-              </a:spcBef>
-              <a:spcAft>
-                <a:spcPts val="0"/>
-              </a:spcAft>
-              <a:buSzPts val="1400"/>
-              <a:buChar char="■"/>
-              <a:defRPr/>
-            </a:lvl3pPr>
-            <a:lvl4pPr marL="1828800" lvl="3" indent="-317500" algn="ctr">
-              <a:spcBef>
-                <a:spcPts val="1600"/>
-              </a:spcBef>
-              <a:spcAft>
-                <a:spcPts val="0"/>
-              </a:spcAft>
-              <a:buSzPts val="1400"/>
-              <a:buChar char="●"/>
-              <a:defRPr/>
-            </a:lvl4pPr>
-            <a:lvl5pPr marL="2286000" lvl="4" indent="-317500" algn="ctr">
-              <a:spcBef>
-                <a:spcPts val="1600"/>
-              </a:spcBef>
-              <a:spcAft>
-                <a:spcPts val="0"/>
-              </a:spcAft>
-              <a:buSzPts val="1400"/>
-              <a:buChar char="○"/>
-              <a:defRPr/>
-            </a:lvl5pPr>
-            <a:lvl6pPr marL="2743200" lvl="5" indent="-317500" algn="ctr">
-              <a:spcBef>
-                <a:spcPts val="1600"/>
-              </a:spcBef>
-              <a:spcAft>
-                <a:spcPts val="0"/>
-              </a:spcAft>
-              <a:buSzPts val="1400"/>
-              <a:buChar char="■"/>
-              <a:defRPr/>
-            </a:lvl6pPr>
-            <a:lvl7pPr marL="3200400" lvl="6" indent="-317500" algn="ctr">
-              <a:spcBef>
-                <a:spcPts val="1600"/>
-              </a:spcBef>
-              <a:spcAft>
-                <a:spcPts val="0"/>
-              </a:spcAft>
-              <a:buSzPts val="1400"/>
-              <a:buChar char="●"/>
-              <a:defRPr/>
-            </a:lvl7pPr>
-            <a:lvl8pPr marL="3657600" lvl="7" indent="-317500" algn="ctr">
-              <a:spcBef>
-                <a:spcPts val="1600"/>
-              </a:spcBef>
-              <a:spcAft>
-                <a:spcPts val="0"/>
-              </a:spcAft>
-              <a:buSzPts val="1400"/>
-              <a:buChar char="○"/>
-              <a:defRPr/>
-            </a:lvl8pPr>
-            <a:lvl9pPr marL="4114800" lvl="8" indent="-317500" algn="ctr">
-              <a:spcBef>
-                <a:spcPts val="1600"/>
-              </a:spcBef>
-              <a:spcAft>
-                <a:spcPts val="1600"/>
-              </a:spcAft>
-              <a:buSzPts val="1400"/>
-              <a:buChar char="■"/>
-              <a:defRPr/>
-            </a:lvl9pPr>
-          </a:lstStyle>
-          <a:p>
-            <a:endParaRPr/>
-          </a:p>
-        </p:txBody>
-      </p:sp>
-      <p:sp>
-        <p:nvSpPr>
-          <p:cNvPr id="47" name="Google Shape;47;p11"/>
-          <p:cNvSpPr txBox="1">
-            <a:spLocks noGrp="1"/>
-          </p:cNvSpPr>
-          <p:nvPr>
-            <p:ph type="sldNum" idx="12"/>
-          </p:nvPr>
-        </p:nvSpPr>
-        <p:spPr>
-          <a:xfrm>
-            <a:off x="8472458" y="4663217"/>
-            <a:ext cx="548700" cy="393600"/>
-          </a:xfrm>
-          <a:prstGeom prst="rect">
-            <a:avLst/>
-          </a:prstGeom>
-        </p:spPr>
-        <p:txBody>
-          <a:bodyPr spcFirstLastPara="1" wrap="square" lIns="91425" tIns="91425" rIns="91425" bIns="91425" anchor="ctr" anchorCtr="0">
-            <a:noAutofit/>
-          </a:bodyPr>
-          <a:lstStyle>
-            <a:lvl1pPr lvl="0">
-              <a:buNone/>
-              <a:defRPr/>
-            </a:lvl1pPr>
-            <a:lvl2pPr lvl="1">
-              <a:buNone/>
-              <a:defRPr/>
-            </a:lvl2pPr>
-            <a:lvl3pPr lvl="2">
-              <a:buNone/>
-              <a:defRPr/>
-            </a:lvl3pPr>
-            <a:lvl4pPr lvl="3">
-              <a:buNone/>
-              <a:defRPr/>
-            </a:lvl4pPr>
-            <a:lvl5pPr lvl="4">
-              <a:buNone/>
-              <a:defRPr/>
-            </a:lvl5pPr>
-            <a:lvl6pPr lvl="5">
-              <a:buNone/>
-              <a:defRPr/>
-            </a:lvl6pPr>
-            <a:lvl7pPr lvl="6">
-              <a:buNone/>
-              <a:defRPr/>
-            </a:lvl7pPr>
-            <a:lvl8pPr lvl="7">
-              <a:buNone/>
-              <a:defRPr/>
-            </a:lvl8pPr>
-            <a:lvl9pPr lvl="8">
-              <a:buNone/>
-              <a:defRPr/>
-            </a:lvl9pPr>
-          </a:lstStyle>
-          <a:p>
-            <a:pPr marL="0" lvl="0" indent="0" algn="r" rtl="0">
-              <a:spcBef>
-                <a:spcPts val="0"/>
-              </a:spcBef>
-              <a:spcAft>
-                <a:spcPts val="0"/>
-              </a:spcAft>
-              <a:buNone/>
-            </a:pPr>
-            <a:fld id="{00000000-1234-1234-1234-123412341234}" type="slidenum">
-              <a:rPr lang="en"/>
-              <a:t>‹#›</a:t>
-            </a:fld>
-            <a:endParaRPr/>
-          </a:p>
-        </p:txBody>
-      </p:sp>
-    </p:spTree>
-  </p:cSld>
-  <p:clrMapOvr>
-    <a:masterClrMapping/>
-  </p:clrMapOvr>
-</p:sldLayout>
-</file>
-
-<file path=ppt/slideLayouts/slideLayout11.xml><?xml version="1.0" encoding="utf-8"?>
 <p:sldLayout xmlns:a="http://schemas.openxmlformats.org/drawingml/2006/main" xmlns:r="http://schemas.openxmlformats.org/officeDocument/2006/relationships" xmlns:p="http://schemas.openxmlformats.org/presentationml/2006/main" matchingName="Blank" type="blank">
   <p:cSld name="BLANK">
     <p:spTree>
@@ -1677,239 +1080,6 @@
 </file>
 
 <file path=ppt/slideLayouts/slideLayout2.xml><?xml version="1.0" encoding="utf-8"?>
-<p:sldLayout xmlns:a="http://schemas.openxmlformats.org/drawingml/2006/main" xmlns:r="http://schemas.openxmlformats.org/officeDocument/2006/relationships" xmlns:p="http://schemas.openxmlformats.org/presentationml/2006/main" matchingName="Section header" type="secHead">
-  <p:cSld name="SECTION_HEADER">
-    <p:spTree>
-      <p:nvGrpSpPr>
-        <p:cNvPr id="1" name="Shape 13"/>
-        <p:cNvGrpSpPr/>
-        <p:nvPr/>
-      </p:nvGrpSpPr>
-      <p:grpSpPr>
-        <a:xfrm>
-          <a:off x="0" y="0"/>
-          <a:ext cx="0" cy="0"/>
-          <a:chOff x="0" y="0"/>
-          <a:chExt cx="0" cy="0"/>
-        </a:xfrm>
-      </p:grpSpPr>
-      <p:sp>
-        <p:nvSpPr>
-          <p:cNvPr id="14" name="Google Shape;14;p3"/>
-          <p:cNvSpPr txBox="1">
-            <a:spLocks noGrp="1"/>
-          </p:cNvSpPr>
-          <p:nvPr>
-            <p:ph type="title"/>
-          </p:nvPr>
-        </p:nvSpPr>
-        <p:spPr>
-          <a:xfrm>
-            <a:off x="311700" y="2150850"/>
-            <a:ext cx="8520600" cy="841800"/>
-          </a:xfrm>
-          <a:prstGeom prst="rect">
-            <a:avLst/>
-          </a:prstGeom>
-        </p:spPr>
-        <p:txBody>
-          <a:bodyPr spcFirstLastPara="1" wrap="square" lIns="91425" tIns="91425" rIns="91425" bIns="91425" anchor="ctr" anchorCtr="0">
-            <a:noAutofit/>
-          </a:bodyPr>
-          <a:lstStyle>
-            <a:lvl1pPr lvl="0" algn="ctr">
-              <a:spcBef>
-                <a:spcPts val="0"/>
-              </a:spcBef>
-              <a:spcAft>
-                <a:spcPts val="0"/>
-              </a:spcAft>
-              <a:buSzPts val="3600"/>
-              <a:buNone/>
-              <a:defRPr sz="3600"/>
-            </a:lvl1pPr>
-            <a:lvl2pPr lvl="1" algn="ctr">
-              <a:spcBef>
-                <a:spcPts val="0"/>
-              </a:spcBef>
-              <a:spcAft>
-                <a:spcPts val="0"/>
-              </a:spcAft>
-              <a:buSzPts val="3600"/>
-              <a:buNone/>
-              <a:defRPr sz="3600"/>
-            </a:lvl2pPr>
-            <a:lvl3pPr lvl="2" algn="ctr">
-              <a:spcBef>
-                <a:spcPts val="0"/>
-              </a:spcBef>
-              <a:spcAft>
-                <a:spcPts val="0"/>
-              </a:spcAft>
-              <a:buSzPts val="3600"/>
-              <a:buNone/>
-              <a:defRPr sz="3600"/>
-            </a:lvl3pPr>
-            <a:lvl4pPr lvl="3" algn="ctr">
-              <a:spcBef>
-                <a:spcPts val="0"/>
-              </a:spcBef>
-              <a:spcAft>
-                <a:spcPts val="0"/>
-              </a:spcAft>
-              <a:buSzPts val="3600"/>
-              <a:buNone/>
-              <a:defRPr sz="3600"/>
-            </a:lvl4pPr>
-            <a:lvl5pPr lvl="4" algn="ctr">
-              <a:spcBef>
-                <a:spcPts val="0"/>
-              </a:spcBef>
-              <a:spcAft>
-                <a:spcPts val="0"/>
-              </a:spcAft>
-              <a:buSzPts val="3600"/>
-              <a:buNone/>
-              <a:defRPr sz="3600"/>
-            </a:lvl5pPr>
-            <a:lvl6pPr lvl="5" algn="ctr">
-              <a:spcBef>
-                <a:spcPts val="0"/>
-              </a:spcBef>
-              <a:spcAft>
-                <a:spcPts val="0"/>
-              </a:spcAft>
-              <a:buSzPts val="3600"/>
-              <a:buNone/>
-              <a:defRPr sz="3600"/>
-            </a:lvl6pPr>
-            <a:lvl7pPr lvl="6" algn="ctr">
-              <a:spcBef>
-                <a:spcPts val="0"/>
-              </a:spcBef>
-              <a:spcAft>
-                <a:spcPts val="0"/>
-              </a:spcAft>
-              <a:buSzPts val="3600"/>
-              <a:buNone/>
-              <a:defRPr sz="3600"/>
-            </a:lvl7pPr>
-            <a:lvl8pPr lvl="7" algn="ctr">
-              <a:spcBef>
-                <a:spcPts val="0"/>
-              </a:spcBef>
-              <a:spcAft>
-                <a:spcPts val="0"/>
-              </a:spcAft>
-              <a:buSzPts val="3600"/>
-              <a:buNone/>
-              <a:defRPr sz="3600"/>
-            </a:lvl8pPr>
-            <a:lvl9pPr lvl="8" algn="ctr">
-              <a:spcBef>
-                <a:spcPts val="0"/>
-              </a:spcBef>
-              <a:spcAft>
-                <a:spcPts val="0"/>
-              </a:spcAft>
-              <a:buSzPts val="3600"/>
-              <a:buNone/>
-              <a:defRPr sz="3600"/>
-            </a:lvl9pPr>
-          </a:lstStyle>
-          <a:p>
-            <a:endParaRPr/>
-          </a:p>
-        </p:txBody>
-      </p:sp>
-      <p:sp>
-        <p:nvSpPr>
-          <p:cNvPr id="15" name="Google Shape;15;p3"/>
-          <p:cNvSpPr txBox="1">
-            <a:spLocks noGrp="1"/>
-          </p:cNvSpPr>
-          <p:nvPr>
-            <p:ph type="sldNum" idx="12"/>
-          </p:nvPr>
-        </p:nvSpPr>
-        <p:spPr>
-          <a:xfrm>
-            <a:off x="8472458" y="4663217"/>
-            <a:ext cx="548700" cy="393600"/>
-          </a:xfrm>
-          <a:prstGeom prst="rect">
-            <a:avLst/>
-          </a:prstGeom>
-        </p:spPr>
-        <p:txBody>
-          <a:bodyPr spcFirstLastPara="1" wrap="square" lIns="91425" tIns="91425" rIns="91425" bIns="91425" anchor="ctr" anchorCtr="0">
-            <a:noAutofit/>
-          </a:bodyPr>
-          <a:lstStyle>
-            <a:lvl1pPr lvl="0">
-              <a:buNone/>
-              <a:defRPr/>
-            </a:lvl1pPr>
-            <a:lvl2pPr lvl="1">
-              <a:buNone/>
-              <a:defRPr/>
-            </a:lvl2pPr>
-            <a:lvl3pPr lvl="2">
-              <a:buNone/>
-              <a:defRPr/>
-            </a:lvl3pPr>
-            <a:lvl4pPr lvl="3">
-              <a:buNone/>
-              <a:defRPr/>
-            </a:lvl4pPr>
-            <a:lvl5pPr lvl="4">
-              <a:buNone/>
-              <a:defRPr/>
-            </a:lvl5pPr>
-            <a:lvl6pPr lvl="5">
-              <a:buNone/>
-              <a:defRPr/>
-            </a:lvl6pPr>
-            <a:lvl7pPr lvl="6">
-              <a:buNone/>
-              <a:defRPr/>
-            </a:lvl7pPr>
-            <a:lvl8pPr lvl="7">
-              <a:buNone/>
-              <a:defRPr/>
-            </a:lvl8pPr>
-            <a:lvl9pPr lvl="8">
-              <a:buNone/>
-              <a:defRPr/>
-            </a:lvl9pPr>
-          </a:lstStyle>
-          <a:p>
-            <a:pPr marL="0" lvl="0" indent="0" algn="r" rtl="0">
-              <a:spcBef>
-                <a:spcPts val="0"/>
-              </a:spcBef>
-              <a:spcAft>
-                <a:spcPts val="0"/>
-              </a:spcAft>
-              <a:buNone/>
-            </a:pPr>
-            <a:fld id="{00000000-1234-1234-1234-123412341234}" type="slidenum">
-              <a:rPr lang="en"/>
-              <a:t>‹#›</a:t>
-            </a:fld>
-            <a:endParaRPr/>
-          </a:p>
-        </p:txBody>
-      </p:sp>
-    </p:spTree>
-  </p:cSld>
-  <p:clrMapOvr>
-    <a:masterClrMapping/>
-  </p:clrMapOvr>
-</p:sldLayout>
-</file>
-
-<file path=ppt/slideLayouts/slideLayout3.xml><?xml version="1.0" encoding="utf-8"?>
 <p:sldLayout xmlns:a="http://schemas.openxmlformats.org/drawingml/2006/main" xmlns:r="http://schemas.openxmlformats.org/officeDocument/2006/relationships" xmlns:p="http://schemas.openxmlformats.org/presentationml/2006/main" matchingName="Title and body" type="tx">
   <p:cSld name="TITLE_AND_BODY">
     <p:spTree>
@@ -2271,7 +1441,7 @@
 </p:sldLayout>
 </file>
 
-<file path=ppt/slideLayouts/slideLayout4.xml><?xml version="1.0" encoding="utf-8"?>
+<file path=ppt/slideLayouts/slideLayout3.xml><?xml version="1.0" encoding="utf-8"?>
 <p:sldLayout xmlns:a="http://schemas.openxmlformats.org/drawingml/2006/main" xmlns:r="http://schemas.openxmlformats.org/officeDocument/2006/relationships" xmlns:p="http://schemas.openxmlformats.org/presentationml/2006/main" matchingName="Title and two columns" type="twoColTx">
   <p:cSld name="TITLE_AND_TWO_COLUMNS">
     <p:spTree>
@@ -2762,7 +1932,7 @@
 </p:sldLayout>
 </file>
 
-<file path=ppt/slideLayouts/slideLayout5.xml><?xml version="1.0" encoding="utf-8"?>
+<file path=ppt/slideLayouts/slideLayout4.xml><?xml version="1.0" encoding="utf-8"?>
 <p:sldLayout xmlns:a="http://schemas.openxmlformats.org/drawingml/2006/main" xmlns:r="http://schemas.openxmlformats.org/officeDocument/2006/relationships" xmlns:p="http://schemas.openxmlformats.org/presentationml/2006/main" matchingName="Title only" type="titleOnly">
   <p:cSld name="TITLE_ONLY">
     <p:spTree>
@@ -2995,7 +2165,7 @@
 </p:sldLayout>
 </file>
 
-<file path=ppt/slideLayouts/slideLayout6.xml><?xml version="1.0" encoding="utf-8"?>
+<file path=ppt/slideLayouts/slideLayout5.xml><?xml version="1.0" encoding="utf-8"?>
 <p:sldLayout xmlns:a="http://schemas.openxmlformats.org/drawingml/2006/main" xmlns:r="http://schemas.openxmlformats.org/officeDocument/2006/relationships" xmlns:p="http://schemas.openxmlformats.org/presentationml/2006/main" matchingName="One column text">
   <p:cSld name="ONE_COLUMN_TEXT">
     <p:spTree>
@@ -3357,7 +2527,7 @@
 </p:sldLayout>
 </file>
 
-<file path=ppt/slideLayouts/slideLayout7.xml><?xml version="1.0" encoding="utf-8"?>
+<file path=ppt/slideLayouts/slideLayout6.xml><?xml version="1.0" encoding="utf-8"?>
 <p:sldLayout xmlns:a="http://schemas.openxmlformats.org/drawingml/2006/main" xmlns:r="http://schemas.openxmlformats.org/officeDocument/2006/relationships" xmlns:p="http://schemas.openxmlformats.org/presentationml/2006/main" matchingName="Main point">
   <p:cSld name="MAIN_POINT">
     <p:spTree>
@@ -3590,7 +2760,7 @@
 </p:sldLayout>
 </file>
 
-<file path=ppt/slideLayouts/slideLayout8.xml><?xml version="1.0" encoding="utf-8"?>
+<file path=ppt/slideLayouts/slideLayout7.xml><?xml version="1.0" encoding="utf-8"?>
 <p:sldLayout xmlns:a="http://schemas.openxmlformats.org/drawingml/2006/main" xmlns:r="http://schemas.openxmlformats.org/officeDocument/2006/relationships" xmlns:p="http://schemas.openxmlformats.org/presentationml/2006/main" matchingName="Section title and description">
   <p:cSld name="SECTION_TITLE_AND_DESCRIPTION">
     <p:spTree>
@@ -4148,7 +3318,7 @@
 </p:sldLayout>
 </file>
 
-<file path=ppt/slideLayouts/slideLayout9.xml><?xml version="1.0" encoding="utf-8"?>
+<file path=ppt/slideLayouts/slideLayout8.xml><?xml version="1.0" encoding="utf-8"?>
 <p:sldLayout xmlns:a="http://schemas.openxmlformats.org/drawingml/2006/main" xmlns:r="http://schemas.openxmlformats.org/officeDocument/2006/relationships" xmlns:p="http://schemas.openxmlformats.org/presentationml/2006/main" matchingName="Caption">
   <p:cSld name="CAPTION_ONLY">
     <p:spTree>
@@ -4212,6 +3382,370 @@
       <p:sp>
         <p:nvSpPr>
           <p:cNvPr id="43" name="Google Shape;43;p10"/>
+          <p:cNvSpPr txBox="1">
+            <a:spLocks noGrp="1"/>
+          </p:cNvSpPr>
+          <p:nvPr>
+            <p:ph type="sldNum" idx="12"/>
+          </p:nvPr>
+        </p:nvSpPr>
+        <p:spPr>
+          <a:xfrm>
+            <a:off x="8472458" y="4663217"/>
+            <a:ext cx="548700" cy="393600"/>
+          </a:xfrm>
+          <a:prstGeom prst="rect">
+            <a:avLst/>
+          </a:prstGeom>
+        </p:spPr>
+        <p:txBody>
+          <a:bodyPr spcFirstLastPara="1" wrap="square" lIns="91425" tIns="91425" rIns="91425" bIns="91425" anchor="ctr" anchorCtr="0">
+            <a:noAutofit/>
+          </a:bodyPr>
+          <a:lstStyle>
+            <a:lvl1pPr lvl="0">
+              <a:buNone/>
+              <a:defRPr/>
+            </a:lvl1pPr>
+            <a:lvl2pPr lvl="1">
+              <a:buNone/>
+              <a:defRPr/>
+            </a:lvl2pPr>
+            <a:lvl3pPr lvl="2">
+              <a:buNone/>
+              <a:defRPr/>
+            </a:lvl3pPr>
+            <a:lvl4pPr lvl="3">
+              <a:buNone/>
+              <a:defRPr/>
+            </a:lvl4pPr>
+            <a:lvl5pPr lvl="4">
+              <a:buNone/>
+              <a:defRPr/>
+            </a:lvl5pPr>
+            <a:lvl6pPr lvl="5">
+              <a:buNone/>
+              <a:defRPr/>
+            </a:lvl6pPr>
+            <a:lvl7pPr lvl="6">
+              <a:buNone/>
+              <a:defRPr/>
+            </a:lvl7pPr>
+            <a:lvl8pPr lvl="7">
+              <a:buNone/>
+              <a:defRPr/>
+            </a:lvl8pPr>
+            <a:lvl9pPr lvl="8">
+              <a:buNone/>
+              <a:defRPr/>
+            </a:lvl9pPr>
+          </a:lstStyle>
+          <a:p>
+            <a:pPr marL="0" lvl="0" indent="0" algn="r" rtl="0">
+              <a:spcBef>
+                <a:spcPts val="0"/>
+              </a:spcBef>
+              <a:spcAft>
+                <a:spcPts val="0"/>
+              </a:spcAft>
+              <a:buNone/>
+            </a:pPr>
+            <a:fld id="{00000000-1234-1234-1234-123412341234}" type="slidenum">
+              <a:rPr lang="en"/>
+              <a:t>‹#›</a:t>
+            </a:fld>
+            <a:endParaRPr/>
+          </a:p>
+        </p:txBody>
+      </p:sp>
+    </p:spTree>
+  </p:cSld>
+  <p:clrMapOvr>
+    <a:masterClrMapping/>
+  </p:clrMapOvr>
+</p:sldLayout>
+</file>
+
+<file path=ppt/slideLayouts/slideLayout9.xml><?xml version="1.0" encoding="utf-8"?>
+<p:sldLayout xmlns:a="http://schemas.openxmlformats.org/drawingml/2006/main" xmlns:r="http://schemas.openxmlformats.org/officeDocument/2006/relationships" xmlns:p="http://schemas.openxmlformats.org/presentationml/2006/main" matchingName="Big number">
+  <p:cSld name="BIG_NUMBER">
+    <p:spTree>
+      <p:nvGrpSpPr>
+        <p:cNvPr id="1" name="Shape 44"/>
+        <p:cNvGrpSpPr/>
+        <p:nvPr/>
+      </p:nvGrpSpPr>
+      <p:grpSpPr>
+        <a:xfrm>
+          <a:off x="0" y="0"/>
+          <a:ext cx="0" cy="0"/>
+          <a:chOff x="0" y="0"/>
+          <a:chExt cx="0" cy="0"/>
+        </a:xfrm>
+      </p:grpSpPr>
+      <p:sp>
+        <p:nvSpPr>
+          <p:cNvPr id="45" name="Google Shape;45;p11"/>
+          <p:cNvSpPr txBox="1">
+            <a:spLocks noGrp="1"/>
+          </p:cNvSpPr>
+          <p:nvPr>
+            <p:ph type="title" hasCustomPrompt="1"/>
+          </p:nvPr>
+        </p:nvSpPr>
+        <p:spPr>
+          <a:xfrm>
+            <a:off x="311700" y="1106125"/>
+            <a:ext cx="8520600" cy="1963500"/>
+          </a:xfrm>
+          <a:prstGeom prst="rect">
+            <a:avLst/>
+          </a:prstGeom>
+        </p:spPr>
+        <p:txBody>
+          <a:bodyPr spcFirstLastPara="1" wrap="square" lIns="91425" tIns="91425" rIns="91425" bIns="91425" anchor="b" anchorCtr="0">
+            <a:noAutofit/>
+          </a:bodyPr>
+          <a:lstStyle>
+            <a:lvl1pPr lvl="0" algn="ctr">
+              <a:spcBef>
+                <a:spcPts val="0"/>
+              </a:spcBef>
+              <a:spcAft>
+                <a:spcPts val="0"/>
+              </a:spcAft>
+              <a:buSzPts val="12000"/>
+              <a:buNone/>
+              <a:defRPr sz="12000"/>
+            </a:lvl1pPr>
+            <a:lvl2pPr lvl="1" algn="ctr">
+              <a:spcBef>
+                <a:spcPts val="0"/>
+              </a:spcBef>
+              <a:spcAft>
+                <a:spcPts val="0"/>
+              </a:spcAft>
+              <a:buSzPts val="12000"/>
+              <a:buNone/>
+              <a:defRPr sz="12000"/>
+            </a:lvl2pPr>
+            <a:lvl3pPr lvl="2" algn="ctr">
+              <a:spcBef>
+                <a:spcPts val="0"/>
+              </a:spcBef>
+              <a:spcAft>
+                <a:spcPts val="0"/>
+              </a:spcAft>
+              <a:buSzPts val="12000"/>
+              <a:buNone/>
+              <a:defRPr sz="12000"/>
+            </a:lvl3pPr>
+            <a:lvl4pPr lvl="3" algn="ctr">
+              <a:spcBef>
+                <a:spcPts val="0"/>
+              </a:spcBef>
+              <a:spcAft>
+                <a:spcPts val="0"/>
+              </a:spcAft>
+              <a:buSzPts val="12000"/>
+              <a:buNone/>
+              <a:defRPr sz="12000"/>
+            </a:lvl4pPr>
+            <a:lvl5pPr lvl="4" algn="ctr">
+              <a:spcBef>
+                <a:spcPts val="0"/>
+              </a:spcBef>
+              <a:spcAft>
+                <a:spcPts val="0"/>
+              </a:spcAft>
+              <a:buSzPts val="12000"/>
+              <a:buNone/>
+              <a:defRPr sz="12000"/>
+            </a:lvl5pPr>
+            <a:lvl6pPr lvl="5" algn="ctr">
+              <a:spcBef>
+                <a:spcPts val="0"/>
+              </a:spcBef>
+              <a:spcAft>
+                <a:spcPts val="0"/>
+              </a:spcAft>
+              <a:buSzPts val="12000"/>
+              <a:buNone/>
+              <a:defRPr sz="12000"/>
+            </a:lvl6pPr>
+            <a:lvl7pPr lvl="6" algn="ctr">
+              <a:spcBef>
+                <a:spcPts val="0"/>
+              </a:spcBef>
+              <a:spcAft>
+                <a:spcPts val="0"/>
+              </a:spcAft>
+              <a:buSzPts val="12000"/>
+              <a:buNone/>
+              <a:defRPr sz="12000"/>
+            </a:lvl7pPr>
+            <a:lvl8pPr lvl="7" algn="ctr">
+              <a:spcBef>
+                <a:spcPts val="0"/>
+              </a:spcBef>
+              <a:spcAft>
+                <a:spcPts val="0"/>
+              </a:spcAft>
+              <a:buSzPts val="12000"/>
+              <a:buNone/>
+              <a:defRPr sz="12000"/>
+            </a:lvl8pPr>
+            <a:lvl9pPr lvl="8" algn="ctr">
+              <a:spcBef>
+                <a:spcPts val="0"/>
+              </a:spcBef>
+              <a:spcAft>
+                <a:spcPts val="0"/>
+              </a:spcAft>
+              <a:buSzPts val="12000"/>
+              <a:buNone/>
+              <a:defRPr sz="12000"/>
+            </a:lvl9pPr>
+          </a:lstStyle>
+          <a:p>
+            <a:r>
+              <a:t>xx%</a:t>
+            </a:r>
+          </a:p>
+        </p:txBody>
+      </p:sp>
+      <p:sp>
+        <p:nvSpPr>
+          <p:cNvPr id="46" name="Google Shape;46;p11"/>
+          <p:cNvSpPr txBox="1">
+            <a:spLocks noGrp="1"/>
+          </p:cNvSpPr>
+          <p:nvPr>
+            <p:ph type="body" idx="1"/>
+          </p:nvPr>
+        </p:nvSpPr>
+        <p:spPr>
+          <a:xfrm>
+            <a:off x="311700" y="3152225"/>
+            <a:ext cx="8520600" cy="1300800"/>
+          </a:xfrm>
+          <a:prstGeom prst="rect">
+            <a:avLst/>
+          </a:prstGeom>
+        </p:spPr>
+        <p:txBody>
+          <a:bodyPr spcFirstLastPara="1" wrap="square" lIns="91425" tIns="91425" rIns="91425" bIns="91425" anchor="t" anchorCtr="0">
+            <a:noAutofit/>
+          </a:bodyPr>
+          <a:lstStyle>
+            <a:lvl1pPr marL="457200" lvl="0" indent="-342900" algn="ctr">
+              <a:spcBef>
+                <a:spcPts val="0"/>
+              </a:spcBef>
+              <a:spcAft>
+                <a:spcPts val="0"/>
+              </a:spcAft>
+              <a:buSzPts val="1800"/>
+              <a:buChar char="●"/>
+              <a:defRPr/>
+            </a:lvl1pPr>
+            <a:lvl2pPr marL="914400" lvl="1" indent="-317500" algn="ctr">
+              <a:spcBef>
+                <a:spcPts val="1600"/>
+              </a:spcBef>
+              <a:spcAft>
+                <a:spcPts val="0"/>
+              </a:spcAft>
+              <a:buSzPts val="1400"/>
+              <a:buChar char="○"/>
+              <a:defRPr/>
+            </a:lvl2pPr>
+            <a:lvl3pPr marL="1371600" lvl="2" indent="-317500" algn="ctr">
+              <a:spcBef>
+                <a:spcPts val="1600"/>
+              </a:spcBef>
+              <a:spcAft>
+                <a:spcPts val="0"/>
+              </a:spcAft>
+              <a:buSzPts val="1400"/>
+              <a:buChar char="■"/>
+              <a:defRPr/>
+            </a:lvl3pPr>
+            <a:lvl4pPr marL="1828800" lvl="3" indent="-317500" algn="ctr">
+              <a:spcBef>
+                <a:spcPts val="1600"/>
+              </a:spcBef>
+              <a:spcAft>
+                <a:spcPts val="0"/>
+              </a:spcAft>
+              <a:buSzPts val="1400"/>
+              <a:buChar char="●"/>
+              <a:defRPr/>
+            </a:lvl4pPr>
+            <a:lvl5pPr marL="2286000" lvl="4" indent="-317500" algn="ctr">
+              <a:spcBef>
+                <a:spcPts val="1600"/>
+              </a:spcBef>
+              <a:spcAft>
+                <a:spcPts val="0"/>
+              </a:spcAft>
+              <a:buSzPts val="1400"/>
+              <a:buChar char="○"/>
+              <a:defRPr/>
+            </a:lvl5pPr>
+            <a:lvl6pPr marL="2743200" lvl="5" indent="-317500" algn="ctr">
+              <a:spcBef>
+                <a:spcPts val="1600"/>
+              </a:spcBef>
+              <a:spcAft>
+                <a:spcPts val="0"/>
+              </a:spcAft>
+              <a:buSzPts val="1400"/>
+              <a:buChar char="■"/>
+              <a:defRPr/>
+            </a:lvl6pPr>
+            <a:lvl7pPr marL="3200400" lvl="6" indent="-317500" algn="ctr">
+              <a:spcBef>
+                <a:spcPts val="1600"/>
+              </a:spcBef>
+              <a:spcAft>
+                <a:spcPts val="0"/>
+              </a:spcAft>
+              <a:buSzPts val="1400"/>
+              <a:buChar char="●"/>
+              <a:defRPr/>
+            </a:lvl7pPr>
+            <a:lvl8pPr marL="3657600" lvl="7" indent="-317500" algn="ctr">
+              <a:spcBef>
+                <a:spcPts val="1600"/>
+              </a:spcBef>
+              <a:spcAft>
+                <a:spcPts val="0"/>
+              </a:spcAft>
+              <a:buSzPts val="1400"/>
+              <a:buChar char="○"/>
+              <a:defRPr/>
+            </a:lvl8pPr>
+            <a:lvl9pPr marL="4114800" lvl="8" indent="-317500" algn="ctr">
+              <a:spcBef>
+                <a:spcPts val="1600"/>
+              </a:spcBef>
+              <a:spcAft>
+                <a:spcPts val="1600"/>
+              </a:spcAft>
+              <a:buSzPts val="1400"/>
+              <a:buChar char="■"/>
+              <a:defRPr/>
+            </a:lvl9pPr>
+          </a:lstStyle>
+          <a:p>
+            <a:endParaRPr/>
+          </a:p>
+        </p:txBody>
+      </p:sp>
+      <p:sp>
+        <p:nvSpPr>
+          <p:cNvPr id="47" name="Google Shape;47;p11"/>
           <p:cNvSpPr txBox="1">
             <a:spLocks noGrp="1"/>
           </p:cNvSpPr>
@@ -4863,17 +4397,16 @@
   </p:cSld>
   <p:clrMap bg1="lt1" tx1="dk1" bg2="dk2" tx2="lt2" accent1="accent1" accent2="accent2" accent3="accent3" accent4="accent4" accent5="accent5" accent6="accent6" hlink="hlink" folHlink="folHlink"/>
   <p:sldLayoutIdLst>
-    <p:sldLayoutId id="2147483648" r:id="rId1"/>
-    <p:sldLayoutId id="2147483649" r:id="rId2"/>
-    <p:sldLayoutId id="2147483650" r:id="rId3"/>
-    <p:sldLayoutId id="2147483651" r:id="rId4"/>
-    <p:sldLayoutId id="2147483652" r:id="rId5"/>
-    <p:sldLayoutId id="2147483653" r:id="rId6"/>
-    <p:sldLayoutId id="2147483654" r:id="rId7"/>
-    <p:sldLayoutId id="2147483655" r:id="rId8"/>
-    <p:sldLayoutId id="2147483656" r:id="rId9"/>
-    <p:sldLayoutId id="2147483657" r:id="rId10"/>
-    <p:sldLayoutId id="2147483658" r:id="rId11"/>
+    <p:sldLayoutId id="2147483649" r:id="rId1"/>
+    <p:sldLayoutId id="2147483650" r:id="rId2"/>
+    <p:sldLayoutId id="2147483651" r:id="rId3"/>
+    <p:sldLayoutId id="2147483652" r:id="rId4"/>
+    <p:sldLayoutId id="2147483653" r:id="rId5"/>
+    <p:sldLayoutId id="2147483654" r:id="rId6"/>
+    <p:sldLayoutId id="2147483655" r:id="rId7"/>
+    <p:sldLayoutId id="2147483656" r:id="rId8"/>
+    <p:sldLayoutId id="2147483657" r:id="rId9"/>
+    <p:sldLayoutId id="2147483658" r:id="rId10"/>
   </p:sldLayoutIdLst>
   <p:hf sldNum="0" hdr="0" ftr="0" dt="0"/>
   <p:txStyles>
@@ -5574,14 +5107,14 @@
     <p:bg>
       <p:bgPr>
         <a:solidFill>
-          <a:srgbClr val="B6D7A8"/>
+          <a:srgbClr val="C00000"/>
         </a:solidFill>
         <a:effectLst/>
       </p:bgPr>
     </p:bg>
     <p:spTree>
       <p:nvGrpSpPr>
-        <p:cNvPr id="1" name="Shape 53"/>
+        <p:cNvPr id="1" name=""/>
         <p:cNvGrpSpPr/>
         <p:nvPr/>
       </p:nvGrpSpPr>
@@ -5595,43 +5128,32 @@
       </p:grpSpPr>
       <p:sp>
         <p:nvSpPr>
-          <p:cNvPr id="54" name="Google Shape;54;p13"/>
-          <p:cNvSpPr txBox="1">
+          <p:cNvPr id="2" name="Title 1">
+            <a:extLst>
+              <a:ext uri="{FF2B5EF4-FFF2-40B4-BE49-F238E27FC236}">
+                <a16:creationId xmlns:a16="http://schemas.microsoft.com/office/drawing/2014/main" id="{5172CB83-F10B-FDF8-65F6-3A77DA2EAD85}"/>
+              </a:ext>
+            </a:extLst>
+          </p:cNvPr>
+          <p:cNvSpPr>
             <a:spLocks noGrp="1"/>
           </p:cNvSpPr>
           <p:nvPr>
-            <p:ph type="ctrTitle"/>
+            <p:ph type="title"/>
           </p:nvPr>
         </p:nvSpPr>
         <p:spPr>
           <a:xfrm>
-            <a:off x="311700" y="140625"/>
-            <a:ext cx="8520600" cy="719100"/>
+            <a:off x="311700" y="322050"/>
+            <a:ext cx="8520600" cy="841800"/>
           </a:xfrm>
-          <a:prstGeom prst="rect">
-            <a:avLst/>
-          </a:prstGeom>
-          <a:solidFill>
-            <a:srgbClr val="B6D7A8"/>
-          </a:solidFill>
         </p:spPr>
         <p:txBody>
-          <a:bodyPr spcFirstLastPara="1" wrap="square" lIns="91425" tIns="91425" rIns="91425" bIns="91425" anchor="b" anchorCtr="0">
-            <a:noAutofit/>
-          </a:bodyPr>
+          <a:bodyPr/>
           <a:lstStyle/>
           <a:p>
-            <a:pPr marL="0" lvl="0" indent="0" algn="ctr" rtl="0">
-              <a:spcBef>
-                <a:spcPts val="0"/>
-              </a:spcBef>
-              <a:spcAft>
-                <a:spcPts val="0"/>
-              </a:spcAft>
-              <a:buNone/>
-            </a:pPr>
             <a:r>
-              <a:rPr lang="en" sz="3600">
+              <a:rPr lang="en" sz="3600" dirty="0">
                 <a:latin typeface="Georgia"/>
                 <a:ea typeface="Georgia"/>
                 <a:cs typeface="Georgia"/>
@@ -5639,155 +5161,154 @@
               </a:rPr>
               <a:t>NFL Quarterback Stat Identifier</a:t>
             </a:r>
-            <a:endParaRPr sz="3600">
-              <a:latin typeface="Georgia"/>
-              <a:ea typeface="Georgia"/>
-              <a:cs typeface="Georgia"/>
-              <a:sym typeface="Georgia"/>
-            </a:endParaRPr>
+            <a:endParaRPr lang="en-US" dirty="0"/>
           </a:p>
         </p:txBody>
       </p:sp>
       <p:sp>
         <p:nvSpPr>
-          <p:cNvPr id="55" name="Google Shape;55;p13"/>
-          <p:cNvSpPr txBox="1">
-            <a:spLocks noGrp="1"/>
-          </p:cNvSpPr>
-          <p:nvPr>
-            <p:ph type="subTitle" idx="1"/>
-          </p:nvPr>
+          <p:cNvPr id="4" name="TextBox 3">
+            <a:extLst>
+              <a:ext uri="{FF2B5EF4-FFF2-40B4-BE49-F238E27FC236}">
+                <a16:creationId xmlns:a16="http://schemas.microsoft.com/office/drawing/2014/main" id="{B8CB8456-231C-5B03-AECC-259EAC34F37A}"/>
+              </a:ext>
+            </a:extLst>
+          </p:cNvPr>
+          <p:cNvSpPr txBox="1"/>
+          <p:nvPr/>
         </p:nvSpPr>
         <p:spPr>
           <a:xfrm>
-            <a:off x="311700" y="859725"/>
-            <a:ext cx="8520600" cy="763800"/>
+            <a:off x="311700" y="1163850"/>
+            <a:ext cx="8520600" cy="646331"/>
+          </a:xfrm>
+          <a:prstGeom prst="rect">
+            <a:avLst/>
+          </a:prstGeom>
+          <a:noFill/>
+        </p:spPr>
+        <p:txBody>
+          <a:bodyPr wrap="square" rtlCol="0">
+            <a:spAutoFit/>
+          </a:bodyPr>
+          <a:lstStyle/>
+          <a:p>
+            <a:pPr marL="0" lvl="0" indent="0" algn="ctr" rtl="0">
+              <a:spcBef>
+                <a:spcPts val="0"/>
+              </a:spcBef>
+              <a:spcAft>
+                <a:spcPts val="0"/>
+              </a:spcAft>
+              <a:buNone/>
+            </a:pPr>
+            <a:r>
+              <a:rPr lang="en-US" sz="1800" dirty="0">
+                <a:latin typeface="Oswald"/>
+                <a:ea typeface="Oswald"/>
+                <a:cs typeface="Oswald"/>
+                <a:sym typeface="Oswald"/>
+              </a:rPr>
+              <a:t>Keep track of your favorite Quarterbacks all season long with our effortless and effective stat identifier application.</a:t>
+            </a:r>
+          </a:p>
+        </p:txBody>
+      </p:sp>
+      <p:pic>
+        <p:nvPicPr>
+          <p:cNvPr id="5" name="Picture 4" descr="A football player in a helmet holding a football&#10;&#10;Description automatically generated">
+            <a:extLst>
+              <a:ext uri="{FF2B5EF4-FFF2-40B4-BE49-F238E27FC236}">
+                <a16:creationId xmlns:a16="http://schemas.microsoft.com/office/drawing/2014/main" id="{95E4C77B-10E2-B0EF-A8DB-E1246E7FB7D9}"/>
+              </a:ext>
+            </a:extLst>
+          </p:cNvPr>
+          <p:cNvPicPr>
+            <a:picLocks noChangeAspect="1"/>
+          </p:cNvPicPr>
+          <p:nvPr/>
+        </p:nvPicPr>
+        <p:blipFill>
+          <a:blip r:embed="rId2"/>
+          <a:stretch>
+            <a:fillRect/>
+          </a:stretch>
+        </p:blipFill>
+        <p:spPr>
+          <a:xfrm>
+            <a:off x="311700" y="2005650"/>
+            <a:ext cx="4046899" cy="2276381"/>
           </a:xfrm>
           <a:prstGeom prst="rect">
             <a:avLst/>
           </a:prstGeom>
         </p:spPr>
-        <p:txBody>
-          <a:bodyPr spcFirstLastPara="1" wrap="square" lIns="91425" tIns="91425" rIns="91425" bIns="91425" anchor="t" anchorCtr="0">
-            <a:noAutofit/>
-          </a:bodyPr>
-          <a:lstStyle/>
-          <a:p>
-            <a:pPr marL="0" lvl="0" indent="0" algn="ctr" rtl="0">
-              <a:spcBef>
-                <a:spcPts val="0"/>
-              </a:spcBef>
-              <a:spcAft>
-                <a:spcPts val="0"/>
-              </a:spcAft>
-              <a:buNone/>
-            </a:pPr>
-            <a:r>
-              <a:rPr lang="en" sz="1800">
-                <a:latin typeface="Oswald"/>
-                <a:ea typeface="Oswald"/>
-                <a:cs typeface="Oswald"/>
-                <a:sym typeface="Oswald"/>
-              </a:rPr>
-              <a:t>Keep track of your favorite Quarterbacks all season long with our</a:t>
-            </a:r>
-            <a:endParaRPr sz="1800">
-              <a:latin typeface="Oswald"/>
-              <a:ea typeface="Oswald"/>
-              <a:cs typeface="Oswald"/>
-              <a:sym typeface="Oswald"/>
-            </a:endParaRPr>
-          </a:p>
-          <a:p>
-            <a:pPr marL="0" lvl="0" indent="0" algn="ctr" rtl="0">
-              <a:spcBef>
-                <a:spcPts val="0"/>
-              </a:spcBef>
-              <a:spcAft>
-                <a:spcPts val="0"/>
-              </a:spcAft>
-              <a:buNone/>
-            </a:pPr>
-            <a:r>
-              <a:rPr lang="en" sz="1800">
-                <a:latin typeface="Oswald"/>
-                <a:ea typeface="Oswald"/>
-                <a:cs typeface="Oswald"/>
-                <a:sym typeface="Oswald"/>
-              </a:rPr>
-              <a:t>effortless and effective stat identifier application. </a:t>
-            </a:r>
-            <a:endParaRPr sz="1800">
-              <a:latin typeface="Oswald"/>
-              <a:ea typeface="Oswald"/>
-              <a:cs typeface="Oswald"/>
-              <a:sym typeface="Oswald"/>
-            </a:endParaRPr>
-          </a:p>
-        </p:txBody>
-      </p:sp>
-      <p:sp>
-        <p:nvSpPr>
-          <p:cNvPr id="56" name="Google Shape;56;p13"/>
-          <p:cNvSpPr txBox="1"/>
-          <p:nvPr/>
-        </p:nvSpPr>
-        <p:spPr>
-          <a:xfrm>
-            <a:off x="4962675" y="4611075"/>
-            <a:ext cx="3948000" cy="411900"/>
-          </a:xfrm>
-          <a:prstGeom prst="rect">
-            <a:avLst/>
-          </a:prstGeom>
-          <a:noFill/>
-          <a:ln>
-            <a:noFill/>
-          </a:ln>
-        </p:spPr>
-        <p:txBody>
-          <a:bodyPr spcFirstLastPara="1" wrap="square" lIns="91425" tIns="91425" rIns="91425" bIns="91425" anchor="t" anchorCtr="0">
-            <a:noAutofit/>
-          </a:bodyPr>
-          <a:lstStyle/>
-          <a:p>
-            <a:pPr marL="0" lvl="0" indent="0" algn="l" rtl="0">
-              <a:spcBef>
-                <a:spcPts val="0"/>
-              </a:spcBef>
-              <a:spcAft>
-                <a:spcPts val="0"/>
-              </a:spcAft>
-              <a:buNone/>
-            </a:pPr>
-            <a:r>
-              <a:rPr lang="en"/>
-              <a:t>Developed by Nate Oberkofler &amp; Sean Malloy</a:t>
-            </a:r>
-            <a:endParaRPr/>
-          </a:p>
-          <a:p>
-            <a:pPr marL="0" lvl="0" indent="0" algn="l" rtl="0">
-              <a:spcBef>
-                <a:spcPts val="0"/>
-              </a:spcBef>
-              <a:spcAft>
-                <a:spcPts val="0"/>
-              </a:spcAft>
-              <a:buNone/>
-            </a:pPr>
-            <a:endParaRPr/>
-          </a:p>
-        </p:txBody>
-      </p:sp>
+      </p:pic>
+      <mc:AlternateContent xmlns:mc="http://schemas.openxmlformats.org/markup-compatibility/2006" xmlns:p14="http://schemas.microsoft.com/office/powerpoint/2010/main">
+        <mc:Choice Requires="p14">
+          <p:contentPart p14:bwMode="auto" r:id="rId3">
+            <p14:nvContentPartPr>
+              <p14:cNvPr id="6" name="Ink 5">
+                <a:extLst>
+                  <a:ext uri="{FF2B5EF4-FFF2-40B4-BE49-F238E27FC236}">
+                    <a16:creationId xmlns:a16="http://schemas.microsoft.com/office/drawing/2014/main" id="{995239F3-6A6C-566F-FC2C-23BAB246872B}"/>
+                  </a:ext>
+                </a:extLst>
+              </p14:cNvPr>
+              <p14:cNvContentPartPr/>
+              <p14:nvPr/>
+            </p14:nvContentPartPr>
+            <p14:xfrm>
+              <a:off x="1586746" y="-601476"/>
+              <a:ext cx="360" cy="360"/>
+            </p14:xfrm>
+          </p:contentPart>
+        </mc:Choice>
+        <mc:Fallback xmlns="">
+          <p:pic>
+            <p:nvPicPr>
+              <p:cNvPr id="6" name="Ink 5">
+                <a:extLst>
+                  <a:ext uri="{FF2B5EF4-FFF2-40B4-BE49-F238E27FC236}">
+                    <a16:creationId xmlns:a16="http://schemas.microsoft.com/office/drawing/2014/main" id="{995239F3-6A6C-566F-FC2C-23BAB246872B}"/>
+                  </a:ext>
+                </a:extLst>
+              </p:cNvPr>
+              <p:cNvPicPr/>
+              <p:nvPr/>
+            </p:nvPicPr>
+            <p:blipFill>
+              <a:blip r:embed="rId4"/>
+              <a:stretch>
+                <a:fillRect/>
+              </a:stretch>
+            </p:blipFill>
+            <p:spPr>
+              <a:xfrm>
+                <a:off x="1580626" y="-607596"/>
+                <a:ext cx="12600" cy="12600"/>
+              </a:xfrm>
+              <a:prstGeom prst="rect">
+                <a:avLst/>
+              </a:prstGeom>
+            </p:spPr>
+          </p:pic>
+        </mc:Fallback>
+      </mc:AlternateContent>
       <p:pic>
         <p:nvPicPr>
-          <p:cNvPr id="57" name="Google Shape;57;p13"/>
+          <p:cNvPr id="8" name="Google Shape;58;p13">
+            <a:extLst>
+              <a:ext uri="{FF2B5EF4-FFF2-40B4-BE49-F238E27FC236}">
+                <a16:creationId xmlns:a16="http://schemas.microsoft.com/office/drawing/2014/main" id="{A12C8F7A-58DF-5485-47FC-DDCD0E04FD2E}"/>
+              </a:ext>
+            </a:extLst>
+          </p:cNvPr>
           <p:cNvPicPr preferRelativeResize="0"/>
           <p:nvPr/>
         </p:nvPicPr>
         <p:blipFill>
-          <a:blip r:embed="rId3">
+          <a:blip r:embed="rId5">
             <a:alphaModFix/>
           </a:blip>
           <a:stretch>
@@ -5796,35 +5317,7 @@
         </p:blipFill>
         <p:spPr>
           <a:xfrm>
-            <a:off x="260050" y="1730880"/>
-            <a:ext cx="4311950" cy="2587170"/>
-          </a:xfrm>
-          <a:prstGeom prst="rect">
-            <a:avLst/>
-          </a:prstGeom>
-          <a:noFill/>
-          <a:ln>
-            <a:noFill/>
-          </a:ln>
-        </p:spPr>
-      </p:pic>
-      <p:pic>
-        <p:nvPicPr>
-          <p:cNvPr id="58" name="Google Shape;58;p13"/>
-          <p:cNvPicPr preferRelativeResize="0"/>
-          <p:nvPr/>
-        </p:nvPicPr>
-        <p:blipFill>
-          <a:blip r:embed="rId4">
-            <a:alphaModFix/>
-          </a:blip>
-          <a:stretch>
-            <a:fillRect/>
-          </a:stretch>
-        </p:blipFill>
-        <p:spPr>
-          <a:xfrm>
-            <a:off x="5457500" y="1938850"/>
+            <a:off x="5891225" y="2165265"/>
             <a:ext cx="2941075" cy="1957150"/>
           </a:xfrm>
           <a:prstGeom prst="rect">
@@ -5836,7 +5329,47 @@
           </a:ln>
         </p:spPr>
       </p:pic>
+      <p:sp>
+        <p:nvSpPr>
+          <p:cNvPr id="9" name="TextBox 8">
+            <a:extLst>
+              <a:ext uri="{FF2B5EF4-FFF2-40B4-BE49-F238E27FC236}">
+                <a16:creationId xmlns:a16="http://schemas.microsoft.com/office/drawing/2014/main" id="{C8C75D13-929D-BCE5-F31A-B763EF2F29CB}"/>
+              </a:ext>
+            </a:extLst>
+          </p:cNvPr>
+          <p:cNvSpPr txBox="1"/>
+          <p:nvPr/>
+        </p:nvSpPr>
+        <p:spPr>
+          <a:xfrm>
+            <a:off x="6180612" y="4323610"/>
+            <a:ext cx="2651688" cy="307777"/>
+          </a:xfrm>
+          <a:prstGeom prst="rect">
+            <a:avLst/>
+          </a:prstGeom>
+          <a:noFill/>
+        </p:spPr>
+        <p:txBody>
+          <a:bodyPr wrap="none" rtlCol="0">
+            <a:spAutoFit/>
+          </a:bodyPr>
+          <a:lstStyle/>
+          <a:p>
+            <a:r>
+              <a:rPr lang="en-US" dirty="0"/>
+              <a:t>Developed by Donovan Morton</a:t>
+            </a:r>
+          </a:p>
+        </p:txBody>
+      </p:sp>
     </p:spTree>
+    <p:extLst>
+      <p:ext uri="{BB962C8B-B14F-4D97-AF65-F5344CB8AC3E}">
+        <p14:creationId xmlns:p14="http://schemas.microsoft.com/office/powerpoint/2010/main" val="723695848"/>
+      </p:ext>
+    </p:extLst>
   </p:cSld>
   <p:clrMapOvr>
     <a:masterClrMapping/>
